--- a/trunk/Docs/IT_Moscow.pptx
+++ b/trunk/Docs/IT_Moscow.pptx
@@ -202,7 +202,7 @@
             <a:fld id="{19FCBF4D-B1CA-4B35-AB03-6998CF505999}" type="datetimeFigureOut">
               <a:rPr lang="ru-RU" smtClean="0"/>
               <a:pPr/>
-              <a:t>22.05.2012</a:t>
+              <a:t>23.05.2012</a:t>
             </a:fld>
             <a:endParaRPr lang="ru-RU"/>
           </a:p>
@@ -650,7 +650,7 @@
             <a:fld id="{5B106E36-FD25-4E2D-B0AA-010F637433A0}" type="datetimeFigureOut">
               <a:rPr lang="ru-RU" smtClean="0"/>
               <a:pPr/>
-              <a:t>22.05.2012</a:t>
+              <a:t>23.05.2012</a:t>
             </a:fld>
             <a:endParaRPr lang="ru-RU"/>
           </a:p>
@@ -817,7 +817,7 @@
             <a:fld id="{5B106E36-FD25-4E2D-B0AA-010F637433A0}" type="datetimeFigureOut">
               <a:rPr lang="ru-RU" smtClean="0"/>
               <a:pPr/>
-              <a:t>22.05.2012</a:t>
+              <a:t>23.05.2012</a:t>
             </a:fld>
             <a:endParaRPr lang="ru-RU"/>
           </a:p>
@@ -994,7 +994,7 @@
             <a:fld id="{5B106E36-FD25-4E2D-B0AA-010F637433A0}" type="datetimeFigureOut">
               <a:rPr lang="ru-RU" smtClean="0"/>
               <a:pPr/>
-              <a:t>22.05.2012</a:t>
+              <a:t>23.05.2012</a:t>
             </a:fld>
             <a:endParaRPr lang="ru-RU"/>
           </a:p>
@@ -1161,7 +1161,7 @@
             <a:fld id="{5B106E36-FD25-4E2D-B0AA-010F637433A0}" type="datetimeFigureOut">
               <a:rPr lang="ru-RU" smtClean="0"/>
               <a:pPr/>
-              <a:t>22.05.2012</a:t>
+              <a:t>23.05.2012</a:t>
             </a:fld>
             <a:endParaRPr lang="ru-RU"/>
           </a:p>
@@ -1404,7 +1404,7 @@
             <a:fld id="{5B106E36-FD25-4E2D-B0AA-010F637433A0}" type="datetimeFigureOut">
               <a:rPr lang="ru-RU" smtClean="0"/>
               <a:pPr/>
-              <a:t>22.05.2012</a:t>
+              <a:t>23.05.2012</a:t>
             </a:fld>
             <a:endParaRPr lang="ru-RU"/>
           </a:p>
@@ -1689,7 +1689,7 @@
             <a:fld id="{5B106E36-FD25-4E2D-B0AA-010F637433A0}" type="datetimeFigureOut">
               <a:rPr lang="ru-RU" smtClean="0"/>
               <a:pPr/>
-              <a:t>22.05.2012</a:t>
+              <a:t>23.05.2012</a:t>
             </a:fld>
             <a:endParaRPr lang="ru-RU"/>
           </a:p>
@@ -2108,7 +2108,7 @@
             <a:fld id="{5B106E36-FD25-4E2D-B0AA-010F637433A0}" type="datetimeFigureOut">
               <a:rPr lang="ru-RU" smtClean="0"/>
               <a:pPr/>
-              <a:t>22.05.2012</a:t>
+              <a:t>23.05.2012</a:t>
             </a:fld>
             <a:endParaRPr lang="ru-RU"/>
           </a:p>
@@ -2223,7 +2223,7 @@
             <a:fld id="{5B106E36-FD25-4E2D-B0AA-010F637433A0}" type="datetimeFigureOut">
               <a:rPr lang="ru-RU" smtClean="0"/>
               <a:pPr/>
-              <a:t>22.05.2012</a:t>
+              <a:t>23.05.2012</a:t>
             </a:fld>
             <a:endParaRPr lang="ru-RU"/>
           </a:p>
@@ -2315,7 +2315,7 @@
             <a:fld id="{5B106E36-FD25-4E2D-B0AA-010F637433A0}" type="datetimeFigureOut">
               <a:rPr lang="ru-RU" smtClean="0"/>
               <a:pPr/>
-              <a:t>22.05.2012</a:t>
+              <a:t>23.05.2012</a:t>
             </a:fld>
             <a:endParaRPr lang="ru-RU"/>
           </a:p>
@@ -2589,7 +2589,7 @@
             <a:fld id="{5B106E36-FD25-4E2D-B0AA-010F637433A0}" type="datetimeFigureOut">
               <a:rPr lang="ru-RU" smtClean="0"/>
               <a:pPr/>
-              <a:t>22.05.2012</a:t>
+              <a:t>23.05.2012</a:t>
             </a:fld>
             <a:endParaRPr lang="ru-RU"/>
           </a:p>
@@ -2839,7 +2839,7 @@
             <a:fld id="{5B106E36-FD25-4E2D-B0AA-010F637433A0}" type="datetimeFigureOut">
               <a:rPr lang="ru-RU" smtClean="0"/>
               <a:pPr/>
-              <a:t>22.05.2012</a:t>
+              <a:t>23.05.2012</a:t>
             </a:fld>
             <a:endParaRPr lang="ru-RU"/>
           </a:p>
@@ -3058,7 +3058,7 @@
             <a:fld id="{5B106E36-FD25-4E2D-B0AA-010F637433A0}" type="datetimeFigureOut">
               <a:rPr lang="ru-RU" smtClean="0"/>
               <a:pPr/>
-              <a:t>22.05.2012</a:t>
+              <a:t>23.05.2012</a:t>
             </a:fld>
             <a:endParaRPr lang="ru-RU"/>
           </a:p>
@@ -3454,52 +3454,38 @@
           <a:lstStyle/>
           <a:p>
             <a:r>
-              <a:rPr lang="ru-RU" sz="3600" dirty="0" smtClean="0">
-                <a:effectLst>
-                  <a:outerShdw blurRad="38100" dist="38100" dir="2700000" algn="tl">
-                    <a:srgbClr val="000000">
-                      <a:alpha val="43137"/>
-                    </a:srgbClr>
-                  </a:outerShdw>
-                </a:effectLst>
-              </a:rPr>
-              <a:t>Комплекс</a:t>
-            </a:r>
-            <a:r>
-              <a:rPr lang="en-US" sz="3600" dirty="0" smtClean="0">
-                <a:effectLst>
-                  <a:outerShdw blurRad="38100" dist="38100" dir="2700000" algn="tl">
-                    <a:srgbClr val="000000">
-                      <a:alpha val="43137"/>
-                    </a:srgbClr>
-                  </a:outerShdw>
-                </a:effectLst>
-              </a:rPr>
-              <a:t> </a:t>
-            </a:r>
-            <a:r>
-              <a:rPr lang="ru-RU" sz="3600" dirty="0" smtClean="0">
-                <a:effectLst>
-                  <a:outerShdw blurRad="38100" dist="38100" dir="2700000" algn="tl">
-                    <a:srgbClr val="000000">
-                      <a:alpha val="43137"/>
-                    </a:srgbClr>
-                  </a:outerShdw>
-                </a:effectLst>
-              </a:rPr>
-              <a:t>групповой </a:t>
-            </a:r>
-            <a:r>
-              <a:rPr lang="ru-RU" sz="3600" cap="none" dirty="0" smtClean="0">
-                <a:effectLst>
-                  <a:outerShdw blurRad="38100" dist="38100" dir="2700000" algn="tl">
-                    <a:srgbClr val="000000">
-                      <a:alpha val="43137"/>
-                    </a:srgbClr>
-                  </a:outerShdw>
-                </a:effectLst>
-              </a:rPr>
-              <a:t>навигации БПЛА в закрытых помещениях</a:t>
+              <a:rPr lang="ru-RU" sz="3600" b="1" dirty="0" smtClean="0"/>
+              <a:t>Применение технологий </a:t>
+            </a:r>
+            <a:r>
+              <a:rPr lang="en-US" sz="3600" b="1" dirty="0" smtClean="0"/>
+              <a:t/>
+            </a:r>
+            <a:br>
+              <a:rPr lang="en-US" sz="3600" b="1" dirty="0" smtClean="0"/>
+            </a:br>
+            <a:r>
+              <a:rPr lang="ru-RU" sz="3600" b="1" dirty="0" smtClean="0"/>
+              <a:t>виртуальной </a:t>
+            </a:r>
+            <a:r>
+              <a:rPr lang="ru-RU" sz="3600" b="1" dirty="0" smtClean="0"/>
+              <a:t>реальности </a:t>
+            </a:r>
+            <a:r>
+              <a:rPr lang="en-US" sz="3600" b="1" dirty="0" smtClean="0"/>
+              <a:t/>
+            </a:r>
+            <a:br>
+              <a:rPr lang="en-US" sz="3600" b="1" dirty="0" smtClean="0"/>
+            </a:br>
+            <a:r>
+              <a:rPr lang="ru-RU" sz="3600" b="1" dirty="0" smtClean="0"/>
+              <a:t>в </a:t>
+            </a:r>
+            <a:r>
+              <a:rPr lang="ru-RU" sz="3600" b="1" dirty="0" smtClean="0"/>
+              <a:t>учебном процессе</a:t>
             </a:r>
             <a:endParaRPr lang="ru-RU" sz="3600" cap="none" dirty="0">
               <a:effectLst>
@@ -3542,15 +3528,7 @@
           <a:p>
             <a:r>
               <a:rPr lang="ru-RU" sz="2400" dirty="0" smtClean="0"/>
-              <a:t>Алексей </a:t>
-            </a:r>
-            <a:r>
-              <a:rPr lang="ru-RU" sz="2400" dirty="0" err="1" smtClean="0"/>
-              <a:t>Безгодов</a:t>
-            </a:r>
-            <a:r>
-              <a:rPr lang="ru-RU" sz="2400" dirty="0" smtClean="0"/>
-              <a:t>, к.т.н., </a:t>
+              <a:t>Алексей Безгодов, к.т.н., </a:t>
             </a:r>
             <a:endParaRPr lang="en-US" sz="2400" dirty="0" smtClean="0"/>
           </a:p>
@@ -3714,6 +3692,13 @@
   <p:clrMapOvr>
     <a:masterClrMapping/>
   </p:clrMapOvr>
+  <p:timing>
+    <p:tnLst>
+      <p:par>
+        <p:cTn id="1" dur="indefinite" restart="never" nodeType="tmRoot"/>
+      </p:par>
+    </p:tnLst>
+  </p:timing>
 </p:sld>
 </file>
 
@@ -3767,6 +3752,7 @@
         </p:nvPicPr>
         <p:blipFill>
           <a:blip r:embed="rId2" cstate="print"/>
+          <a:srcRect t="8571" b="5714"/>
           <a:stretch>
             <a:fillRect/>
           </a:stretch>
@@ -3774,7 +3760,7 @@
         <p:spPr>
           <a:xfrm>
             <a:off x="683568" y="1484784"/>
-            <a:ext cx="3816423" cy="2520279"/>
+            <a:ext cx="3816423" cy="2160240"/>
           </a:xfrm>
           <a:prstGeom prst="rect">
             <a:avLst/>
@@ -3796,14 +3782,15 @@
         </p:nvPicPr>
         <p:blipFill>
           <a:blip r:embed="rId3" cstate="print"/>
+          <a:srcRect l="3333" r="6790"/>
           <a:stretch>
             <a:fillRect/>
           </a:stretch>
         </p:blipFill>
         <p:spPr>
           <a:xfrm>
-            <a:off x="6444208" y="1460781"/>
-            <a:ext cx="2135411" cy="1680186"/>
+            <a:off x="6732240" y="1484784"/>
+            <a:ext cx="1872208" cy="1656183"/>
           </a:xfrm>
           <a:prstGeom prst="rect">
             <a:avLst/>
@@ -3825,14 +3812,15 @@
         </p:nvPicPr>
         <p:blipFill>
           <a:blip r:embed="rId4" cstate="print"/>
+          <a:srcRect l="16667" r="14889"/>
           <a:stretch>
             <a:fillRect/>
           </a:stretch>
         </p:blipFill>
         <p:spPr>
           <a:xfrm>
-            <a:off x="4572000" y="3212976"/>
-            <a:ext cx="4032448" cy="2952328"/>
+            <a:off x="4572001" y="3501008"/>
+            <a:ext cx="2088232" cy="2664296"/>
           </a:xfrm>
           <a:prstGeom prst="rect">
             <a:avLst/>
@@ -3860,8 +3848,8 @@
         </p:blipFill>
         <p:spPr>
           <a:xfrm>
-            <a:off x="4572000" y="1460780"/>
-            <a:ext cx="1800200" cy="1680187"/>
+            <a:off x="4571999" y="1484784"/>
+            <a:ext cx="2088233" cy="1944216"/>
           </a:xfrm>
           <a:prstGeom prst="rect">
             <a:avLst/>
@@ -3875,7 +3863,7 @@
       </p:pic>
       <p:pic>
         <p:nvPicPr>
-          <p:cNvPr id="8" name="Рисунок 7" descr="P1150632.JPG"/>
+          <p:cNvPr id="9" name="Рисунок 8" descr="Vrsoldiers.jpg"/>
           <p:cNvPicPr>
             <a:picLocks noChangeAspect="1"/>
           </p:cNvPicPr>
@@ -3883,22 +3871,52 @@
         </p:nvPicPr>
         <p:blipFill>
           <a:blip r:embed="rId6" cstate="print"/>
-          <a:srcRect t="2566" b="25578"/>
+          <a:srcRect b="1659"/>
           <a:stretch>
             <a:fillRect/>
           </a:stretch>
         </p:blipFill>
         <p:spPr>
           <a:xfrm>
-            <a:off x="683568" y="4077072"/>
-            <a:ext cx="3816424" cy="2088232"/>
+            <a:off x="683568" y="3717032"/>
+            <a:ext cx="3816424" cy="2448272"/>
           </a:xfrm>
           <a:prstGeom prst="rect">
             <a:avLst/>
           </a:prstGeom>
           <a:ln>
             <a:solidFill>
-              <a:schemeClr val="tx2"/>
+              <a:schemeClr val="bg1"/>
+            </a:solidFill>
+          </a:ln>
+        </p:spPr>
+      </p:pic>
+      <p:pic>
+        <p:nvPicPr>
+          <p:cNvPr id="10" name="Рисунок 9" descr="Virtual-Reality-Medicine.gif"/>
+          <p:cNvPicPr>
+            <a:picLocks noChangeAspect="1"/>
+          </p:cNvPicPr>
+          <p:nvPr/>
+        </p:nvPicPr>
+        <p:blipFill>
+          <a:blip r:embed="rId7" cstate="print"/>
+          <a:srcRect l="50976" t="35922"/>
+          <a:stretch>
+            <a:fillRect/>
+          </a:stretch>
+        </p:blipFill>
+        <p:spPr>
+          <a:xfrm>
+            <a:off x="6732240" y="3212976"/>
+            <a:ext cx="1872208" cy="2952328"/>
+          </a:xfrm>
+          <a:prstGeom prst="rect">
+            <a:avLst/>
+          </a:prstGeom>
+          <a:ln>
+            <a:solidFill>
+              <a:schemeClr val="bg1"/>
             </a:solidFill>
           </a:ln>
         </p:spPr>
@@ -3908,6 +3926,13 @@
   <p:clrMapOvr>
     <a:masterClrMapping/>
   </p:clrMapOvr>
+  <p:timing>
+    <p:tnLst>
+      <p:par>
+        <p:cTn id="1" dur="indefinite" restart="never" nodeType="tmRoot"/>
+      </p:par>
+    </p:tnLst>
+  </p:timing>
 </p:sld>
 </file>
 
@@ -3961,14 +3986,15 @@
         </p:nvPicPr>
         <p:blipFill>
           <a:blip r:embed="rId2" cstate="print"/>
+          <a:srcRect l="6275" r="5870"/>
           <a:stretch>
             <a:fillRect/>
           </a:stretch>
         </p:blipFill>
         <p:spPr>
           <a:xfrm>
-            <a:off x="4932041" y="1556792"/>
-            <a:ext cx="3744416" cy="2232248"/>
+            <a:off x="323528" y="1628800"/>
+            <a:ext cx="4392488" cy="3024336"/>
           </a:xfrm>
           <a:prstGeom prst="rect">
             <a:avLst/>
@@ -3982,7 +4008,7 @@
       </p:pic>
       <p:pic>
         <p:nvPicPr>
-          <p:cNvPr id="5" name="Рисунок 4" descr="Halo Reach.jpg"/>
+          <p:cNvPr id="7" name="Рисунок 6" descr="original.jpg"/>
           <p:cNvPicPr>
             <a:picLocks noChangeAspect="1"/>
           </p:cNvPicPr>
@@ -3996,8 +4022,8 @@
         </p:blipFill>
         <p:spPr>
           <a:xfrm>
-            <a:off x="4932041" y="3861048"/>
-            <a:ext cx="3744416" cy="2232248"/>
+            <a:off x="323530" y="4725144"/>
+            <a:ext cx="2016222" cy="1296144"/>
           </a:xfrm>
           <a:prstGeom prst="rect">
             <a:avLst/>
@@ -4011,7 +4037,7 @@
       </p:pic>
       <p:pic>
         <p:nvPicPr>
-          <p:cNvPr id="6" name="Рисунок 5" descr="ts_3_enl.jpg"/>
+          <p:cNvPr id="8" name="Рисунок 7" descr="portal2.300.04.lg.jpg"/>
           <p:cNvPicPr>
             <a:picLocks noChangeAspect="1"/>
           </p:cNvPicPr>
@@ -4025,8 +4051,8 @@
         </p:blipFill>
         <p:spPr>
           <a:xfrm>
-            <a:off x="467544" y="1556792"/>
-            <a:ext cx="4392489" cy="3240360"/>
+            <a:off x="2411760" y="4725144"/>
+            <a:ext cx="2304257" cy="1296144"/>
           </a:xfrm>
           <a:prstGeom prst="rect">
             <a:avLst/>
@@ -4040,7 +4066,7 @@
       </p:pic>
       <p:pic>
         <p:nvPicPr>
-          <p:cNvPr id="7" name="Рисунок 6" descr="original.jpg"/>
+          <p:cNvPr id="9" name="Рисунок 8" descr="powder01.jpg"/>
           <p:cNvPicPr>
             <a:picLocks noChangeAspect="1"/>
           </p:cNvPicPr>
@@ -4048,28 +4074,29 @@
         </p:nvPicPr>
         <p:blipFill>
           <a:blip r:embed="rId5" cstate="print"/>
+          <a:srcRect l="6451" r="6452"/>
           <a:stretch>
             <a:fillRect/>
           </a:stretch>
         </p:blipFill>
         <p:spPr>
           <a:xfrm>
-            <a:off x="467546" y="4869160"/>
-            <a:ext cx="2048228" cy="1224136"/>
+            <a:off x="4788024" y="1628800"/>
+            <a:ext cx="1944216" cy="1527348"/>
           </a:xfrm>
           <a:prstGeom prst="rect">
             <a:avLst/>
           </a:prstGeom>
           <a:ln>
             <a:solidFill>
-              <a:schemeClr val="tx2"/>
+              <a:schemeClr val="bg1"/>
             </a:solidFill>
           </a:ln>
         </p:spPr>
       </p:pic>
       <p:pic>
         <p:nvPicPr>
-          <p:cNvPr id="8" name="Рисунок 7" descr="portal2.300.04.lg.jpg"/>
+          <p:cNvPr id="10" name="Рисунок 9" descr="powder02.jpg"/>
           <p:cNvPicPr>
             <a:picLocks noChangeAspect="1"/>
           </p:cNvPicPr>
@@ -4077,21 +4104,51 @@
         </p:nvPicPr>
         <p:blipFill>
           <a:blip r:embed="rId6" cstate="print"/>
+          <a:srcRect l="6435" r="6683"/>
           <a:stretch>
             <a:fillRect/>
           </a:stretch>
         </p:blipFill>
         <p:spPr>
           <a:xfrm>
-            <a:off x="2555777" y="4869160"/>
-            <a:ext cx="2304256" cy="1224136"/>
+            <a:off x="6804248" y="1628800"/>
+            <a:ext cx="1872208" cy="1512168"/>
           </a:xfrm>
           <a:prstGeom prst="rect">
             <a:avLst/>
           </a:prstGeom>
           <a:ln>
             <a:solidFill>
-              <a:schemeClr val="tx2"/>
+              <a:schemeClr val="bg1"/>
+            </a:solidFill>
+          </a:ln>
+        </p:spPr>
+      </p:pic>
+      <p:pic>
+        <p:nvPicPr>
+          <p:cNvPr id="11" name="Рисунок 10" descr="world-of-goo_snap297_wm.jpg"/>
+          <p:cNvPicPr>
+            <a:picLocks noChangeAspect="1"/>
+          </p:cNvPicPr>
+          <p:nvPr/>
+        </p:nvPicPr>
+        <p:blipFill>
+          <a:blip r:embed="rId7" cstate="print"/>
+          <a:stretch>
+            <a:fillRect/>
+          </a:stretch>
+        </p:blipFill>
+        <p:spPr>
+          <a:xfrm>
+            <a:off x="4788024" y="3212976"/>
+            <a:ext cx="3888432" cy="2808312"/>
+          </a:xfrm>
+          <a:prstGeom prst="rect">
+            <a:avLst/>
+          </a:prstGeom>
+          <a:ln>
+            <a:solidFill>
+              <a:schemeClr val="bg1"/>
             </a:solidFill>
           </a:ln>
         </p:spPr>
@@ -4101,6 +4158,13 @@
   <p:clrMapOvr>
     <a:masterClrMapping/>
   </p:clrMapOvr>
+  <p:timing>
+    <p:tnLst>
+      <p:par>
+        <p:cTn id="1" dur="indefinite" restart="never" nodeType="tmRoot"/>
+      </p:par>
+    </p:tnLst>
+  </p:timing>
 </p:sld>
 </file>
 
@@ -4131,67 +4195,228 @@
             <p:ph type="title"/>
           </p:nvPr>
         </p:nvSpPr>
-        <p:spPr/>
+        <p:spPr>
+          <a:xfrm>
+            <a:off x="457200" y="274638"/>
+            <a:ext cx="8229600" cy="1066130"/>
+          </a:xfrm>
+        </p:spPr>
         <p:txBody>
           <a:bodyPr>
-            <a:normAutofit fontScale="90000"/>
+            <a:noAutofit/>
           </a:bodyPr>
           <a:lstStyle/>
           <a:p>
             <a:r>
-              <a:rPr lang="ru-RU" dirty="0" smtClean="0"/>
-              <a:t>Технические средства создания ВР</a:t>
-            </a:r>
-            <a:endParaRPr lang="ru-RU" dirty="0"/>
-          </a:p>
-        </p:txBody>
-      </p:sp>
-      <p:sp>
-        <p:nvSpPr>
-          <p:cNvPr id="3" name="Содержимое 2"/>
-          <p:cNvSpPr>
-            <a:spLocks noGrp="1"/>
-          </p:cNvSpPr>
-          <p:nvPr>
-            <p:ph idx="1"/>
-          </p:nvPr>
-        </p:nvSpPr>
-        <p:spPr/>
-        <p:txBody>
-          <a:bodyPr/>
-          <a:lstStyle/>
-          <a:p>
-            <a:r>
-              <a:rPr lang="ru-RU" dirty="0" smtClean="0"/>
-              <a:t>Обычный ПК</a:t>
-            </a:r>
-          </a:p>
-          <a:p>
-            <a:r>
-              <a:rPr lang="en-US" dirty="0" smtClean="0"/>
-              <a:t>Walls</a:t>
-            </a:r>
-          </a:p>
-          <a:p>
-            <a:r>
-              <a:rPr lang="en-US" dirty="0" smtClean="0"/>
-              <a:t>3D walls</a:t>
-            </a:r>
-          </a:p>
-          <a:p>
-            <a:r>
-              <a:rPr lang="en-US" smtClean="0"/>
-              <a:t>Touch</a:t>
-            </a:r>
-            <a:endParaRPr lang="ru-RU" dirty="0"/>
-          </a:p>
-        </p:txBody>
-      </p:sp>
+              <a:rPr lang="ru-RU" sz="3600" dirty="0" smtClean="0"/>
+              <a:t>Технические средства создания </a:t>
+            </a:r>
+            <a:r>
+              <a:rPr lang="ru-RU" sz="3600" dirty="0" smtClean="0"/>
+              <a:t>ВР</a:t>
+            </a:r>
+            <a:r>
+              <a:rPr lang="en-US" sz="3600" dirty="0" smtClean="0"/>
+              <a:t> (</a:t>
+            </a:r>
+            <a:r>
+              <a:rPr lang="ru-RU" sz="3600" dirty="0" smtClean="0"/>
+              <a:t>средства отображения</a:t>
+            </a:r>
+            <a:r>
+              <a:rPr lang="en-US" sz="3600" dirty="0" smtClean="0"/>
+              <a:t>)</a:t>
+            </a:r>
+            <a:endParaRPr lang="ru-RU" sz="3600" dirty="0"/>
+          </a:p>
+        </p:txBody>
+      </p:sp>
+      <p:pic>
+        <p:nvPicPr>
+          <p:cNvPr id="4" name="Рисунок 3" descr="dispwall.jpg"/>
+          <p:cNvPicPr>
+            <a:picLocks noChangeAspect="1"/>
+          </p:cNvPicPr>
+          <p:nvPr/>
+        </p:nvPicPr>
+        <p:blipFill>
+          <a:blip r:embed="rId2" cstate="print"/>
+          <a:stretch>
+            <a:fillRect/>
+          </a:stretch>
+        </p:blipFill>
+        <p:spPr>
+          <a:xfrm>
+            <a:off x="539552" y="1772816"/>
+            <a:ext cx="2880320" cy="1800201"/>
+          </a:xfrm>
+          <a:prstGeom prst="rect">
+            <a:avLst/>
+          </a:prstGeom>
+          <a:ln>
+            <a:solidFill>
+              <a:schemeClr val="bg1"/>
+            </a:solidFill>
+          </a:ln>
+        </p:spPr>
+      </p:pic>
+      <p:pic>
+        <p:nvPicPr>
+          <p:cNvPr id="5" name="Рисунок 4" descr="3d_display_star_wars_ship_usc.png"/>
+          <p:cNvPicPr>
+            <a:picLocks noChangeAspect="1"/>
+          </p:cNvPicPr>
+          <p:nvPr/>
+        </p:nvPicPr>
+        <p:blipFill>
+          <a:blip r:embed="rId3" cstate="print"/>
+          <a:stretch>
+            <a:fillRect/>
+          </a:stretch>
+        </p:blipFill>
+        <p:spPr>
+          <a:xfrm>
+            <a:off x="3491880" y="1772816"/>
+            <a:ext cx="1872208" cy="2304255"/>
+          </a:xfrm>
+          <a:prstGeom prst="rect">
+            <a:avLst/>
+          </a:prstGeom>
+          <a:ln>
+            <a:solidFill>
+              <a:schemeClr val="bg1"/>
+            </a:solidFill>
+          </a:ln>
+        </p:spPr>
+      </p:pic>
+      <p:pic>
+        <p:nvPicPr>
+          <p:cNvPr id="6" name="Рисунок 5" descr="3ddisplay.jpg"/>
+          <p:cNvPicPr>
+            <a:picLocks noChangeAspect="1"/>
+          </p:cNvPicPr>
+          <p:nvPr/>
+        </p:nvPicPr>
+        <p:blipFill>
+          <a:blip r:embed="rId4" cstate="print"/>
+          <a:stretch>
+            <a:fillRect/>
+          </a:stretch>
+        </p:blipFill>
+        <p:spPr>
+          <a:xfrm>
+            <a:off x="5436096" y="1772817"/>
+            <a:ext cx="2952328" cy="2304255"/>
+          </a:xfrm>
+          <a:prstGeom prst="rect">
+            <a:avLst/>
+          </a:prstGeom>
+          <a:ln>
+            <a:solidFill>
+              <a:schemeClr val="bg1"/>
+            </a:solidFill>
+          </a:ln>
+        </p:spPr>
+      </p:pic>
+      <p:pic>
+        <p:nvPicPr>
+          <p:cNvPr id="7" name="Рисунок 6" descr="3d-display.jpg"/>
+          <p:cNvPicPr>
+            <a:picLocks noChangeAspect="1"/>
+          </p:cNvPicPr>
+          <p:nvPr/>
+        </p:nvPicPr>
+        <p:blipFill>
+          <a:blip r:embed="rId5" cstate="print"/>
+          <a:stretch>
+            <a:fillRect/>
+          </a:stretch>
+        </p:blipFill>
+        <p:spPr>
+          <a:xfrm>
+            <a:off x="6156176" y="4149082"/>
+            <a:ext cx="2232248" cy="1584176"/>
+          </a:xfrm>
+          <a:prstGeom prst="rect">
+            <a:avLst/>
+          </a:prstGeom>
+          <a:ln>
+            <a:solidFill>
+              <a:schemeClr val="bg1"/>
+            </a:solidFill>
+          </a:ln>
+        </p:spPr>
+      </p:pic>
+      <p:pic>
+        <p:nvPicPr>
+          <p:cNvPr id="8" name="Рисунок 7" descr="viewsonic-v3d245-lcd-3d-monitor.jpg"/>
+          <p:cNvPicPr>
+            <a:picLocks noChangeAspect="1"/>
+          </p:cNvPicPr>
+          <p:nvPr/>
+        </p:nvPicPr>
+        <p:blipFill>
+          <a:blip r:embed="rId6" cstate="print"/>
+          <a:stretch>
+            <a:fillRect/>
+          </a:stretch>
+        </p:blipFill>
+        <p:spPr>
+          <a:xfrm>
+            <a:off x="539553" y="3645025"/>
+            <a:ext cx="2880319" cy="2088232"/>
+          </a:xfrm>
+          <a:prstGeom prst="rect">
+            <a:avLst/>
+          </a:prstGeom>
+          <a:ln>
+            <a:solidFill>
+              <a:schemeClr val="bg1"/>
+            </a:solidFill>
+          </a:ln>
+        </p:spPr>
+      </p:pic>
+      <p:pic>
+        <p:nvPicPr>
+          <p:cNvPr id="9" name="Рисунок 8" descr="cave.jpg"/>
+          <p:cNvPicPr>
+            <a:picLocks noChangeAspect="1"/>
+          </p:cNvPicPr>
+          <p:nvPr/>
+        </p:nvPicPr>
+        <p:blipFill>
+          <a:blip r:embed="rId7" cstate="print"/>
+          <a:stretch>
+            <a:fillRect/>
+          </a:stretch>
+        </p:blipFill>
+        <p:spPr>
+          <a:xfrm>
+            <a:off x="3491880" y="4149081"/>
+            <a:ext cx="2592288" cy="1584176"/>
+          </a:xfrm>
+          <a:prstGeom prst="rect">
+            <a:avLst/>
+          </a:prstGeom>
+          <a:ln>
+            <a:solidFill>
+              <a:schemeClr val="bg1"/>
+            </a:solidFill>
+          </a:ln>
+        </p:spPr>
+      </p:pic>
     </p:spTree>
   </p:cSld>
   <p:clrMapOvr>
     <a:masterClrMapping/>
   </p:clrMapOvr>
+  <p:timing>
+    <p:tnLst>
+      <p:par>
+        <p:cTn id="1" dur="indefinite" restart="never" nodeType="tmRoot"/>
+      </p:par>
+    </p:tnLst>
+  </p:timing>
 </p:sld>
 </file>
 
@@ -4236,103 +4461,216 @@
           <a:p>
             <a:r>
               <a:rPr lang="ru-RU" dirty="0" smtClean="0"/>
-              <a:t>Варианты применения технологий ВР в вузах</a:t>
+              <a:t>Технические средства создания ВР</a:t>
+            </a:r>
+            <a:r>
+              <a:rPr lang="en-US" dirty="0" smtClean="0"/>
+              <a:t> (</a:t>
+            </a:r>
+            <a:r>
+              <a:rPr lang="ru-RU" dirty="0" smtClean="0"/>
+              <a:t>средства </a:t>
+            </a:r>
+            <a:r>
+              <a:rPr lang="ru-RU" dirty="0" smtClean="0"/>
+              <a:t>ЧКВ</a:t>
+            </a:r>
+            <a:r>
+              <a:rPr lang="en-US" dirty="0" smtClean="0"/>
+              <a:t>)</a:t>
             </a:r>
             <a:endParaRPr lang="ru-RU" dirty="0"/>
           </a:p>
         </p:txBody>
       </p:sp>
-      <p:sp>
-        <p:nvSpPr>
-          <p:cNvPr id="3" name="Содержимое 2"/>
-          <p:cNvSpPr>
-            <a:spLocks noGrp="1"/>
-          </p:cNvSpPr>
-          <p:nvPr>
-            <p:ph idx="1"/>
-          </p:nvPr>
-        </p:nvSpPr>
-        <p:spPr/>
-        <p:txBody>
-          <a:bodyPr>
-            <a:normAutofit lnSpcReduction="10000"/>
-          </a:bodyPr>
-          <a:lstStyle/>
-          <a:p>
-            <a:r>
-              <a:rPr lang="en-US" dirty="0" smtClean="0"/>
-              <a:t>3D-</a:t>
-            </a:r>
-            <a:r>
-              <a:rPr lang="ru-RU" dirty="0" smtClean="0"/>
-              <a:t>визуализация</a:t>
-            </a:r>
-          </a:p>
-          <a:p>
-            <a:r>
-              <a:rPr lang="ru-RU" dirty="0" smtClean="0"/>
-              <a:t>Системы поддержки принятия решений</a:t>
-            </a:r>
-          </a:p>
-          <a:p>
-            <a:r>
-              <a:rPr lang="en-US" dirty="0" err="1" smtClean="0"/>
-              <a:t>Miscrosoft</a:t>
-            </a:r>
-            <a:r>
-              <a:rPr lang="en-US" dirty="0" smtClean="0"/>
-              <a:t> </a:t>
-            </a:r>
-            <a:r>
-              <a:rPr lang="en-US" dirty="0" err="1" smtClean="0"/>
-              <a:t>Kinect</a:t>
-            </a:r>
-            <a:r>
-              <a:rPr lang="en-US" dirty="0" smtClean="0"/>
-              <a:t> / Sony PS Move</a:t>
-            </a:r>
-          </a:p>
-          <a:p>
-            <a:r>
-              <a:rPr lang="en-US" dirty="0" smtClean="0"/>
-              <a:t>Motion Capture</a:t>
-            </a:r>
-          </a:p>
-          <a:p>
-            <a:pPr lvl="1"/>
-            <a:r>
-              <a:rPr lang="ru-RU" dirty="0" smtClean="0"/>
-              <a:t>ЧКВ </a:t>
-            </a:r>
-            <a:endParaRPr lang="ru-RU" dirty="0" smtClean="0"/>
-          </a:p>
-          <a:p>
-            <a:pPr lvl="1"/>
-            <a:r>
-              <a:rPr lang="ru-RU" dirty="0" smtClean="0"/>
-              <a:t>Робототехника</a:t>
-            </a:r>
-          </a:p>
-          <a:p>
-            <a:r>
-              <a:rPr lang="ru-RU" dirty="0" smtClean="0"/>
-              <a:t>Виртуальные полигоны</a:t>
-            </a:r>
-          </a:p>
-          <a:p>
-            <a:r>
-              <a:rPr lang="ru-RU" dirty="0" smtClean="0"/>
-              <a:t>Ситуационные центры</a:t>
-            </a:r>
-            <a:endParaRPr lang="ru-RU" dirty="0"/>
-          </a:p>
-        </p:txBody>
-      </p:sp>
+      <p:pic>
+        <p:nvPicPr>
+          <p:cNvPr id="7" name="Рисунок 6" descr="3dconnexion-spacepilot-pro-3d-mouse.jpg"/>
+          <p:cNvPicPr>
+            <a:picLocks noChangeAspect="1"/>
+          </p:cNvPicPr>
+          <p:nvPr/>
+        </p:nvPicPr>
+        <p:blipFill>
+          <a:blip r:embed="rId2" cstate="print"/>
+          <a:stretch>
+            <a:fillRect/>
+          </a:stretch>
+        </p:blipFill>
+        <p:spPr>
+          <a:xfrm>
+            <a:off x="251520" y="1700808"/>
+            <a:ext cx="3024336" cy="1944216"/>
+          </a:xfrm>
+          <a:prstGeom prst="rect">
+            <a:avLst/>
+          </a:prstGeom>
+          <a:ln>
+            <a:solidFill>
+              <a:schemeClr val="bg1"/>
+            </a:solidFill>
+          </a:ln>
+        </p:spPr>
+      </p:pic>
+      <p:pic>
+        <p:nvPicPr>
+          <p:cNvPr id="9" name="Рисунок 8" descr="6188386678_1b59716694.jpg"/>
+          <p:cNvPicPr>
+            <a:picLocks noChangeAspect="1"/>
+          </p:cNvPicPr>
+          <p:nvPr/>
+        </p:nvPicPr>
+        <p:blipFill>
+          <a:blip r:embed="rId3" cstate="print"/>
+          <a:stretch>
+            <a:fillRect/>
+          </a:stretch>
+        </p:blipFill>
+        <p:spPr>
+          <a:xfrm>
+            <a:off x="251520" y="3717031"/>
+            <a:ext cx="3024336" cy="2160240"/>
+          </a:xfrm>
+          <a:prstGeom prst="rect">
+            <a:avLst/>
+          </a:prstGeom>
+          <a:ln>
+            <a:solidFill>
+              <a:schemeClr val="bg1"/>
+            </a:solidFill>
+          </a:ln>
+        </p:spPr>
+      </p:pic>
+      <p:pic>
+        <p:nvPicPr>
+          <p:cNvPr id="11" name="Рисунок 10" descr="move_01_56551_screen.jpg"/>
+          <p:cNvPicPr>
+            <a:picLocks noChangeAspect="1"/>
+          </p:cNvPicPr>
+          <p:nvPr/>
+        </p:nvPicPr>
+        <p:blipFill>
+          <a:blip r:embed="rId4" cstate="print"/>
+          <a:srcRect t="3704" b="3567"/>
+          <a:stretch>
+            <a:fillRect/>
+          </a:stretch>
+        </p:blipFill>
+        <p:spPr>
+          <a:xfrm>
+            <a:off x="3347864" y="1700807"/>
+            <a:ext cx="2808312" cy="1944216"/>
+          </a:xfrm>
+          <a:prstGeom prst="rect">
+            <a:avLst/>
+          </a:prstGeom>
+          <a:ln>
+            <a:solidFill>
+              <a:schemeClr val="bg1"/>
+            </a:solidFill>
+          </a:ln>
+        </p:spPr>
+      </p:pic>
+      <p:pic>
+        <p:nvPicPr>
+          <p:cNvPr id="14" name="Рисунок 13" descr="kinect.jpg"/>
+          <p:cNvPicPr>
+            <a:picLocks noChangeAspect="1"/>
+          </p:cNvPicPr>
+          <p:nvPr/>
+        </p:nvPicPr>
+        <p:blipFill>
+          <a:blip r:embed="rId5" cstate="print"/>
+          <a:stretch>
+            <a:fillRect/>
+          </a:stretch>
+        </p:blipFill>
+        <p:spPr>
+          <a:xfrm>
+            <a:off x="3347864" y="3717031"/>
+            <a:ext cx="2808312" cy="2160240"/>
+          </a:xfrm>
+          <a:prstGeom prst="rect">
+            <a:avLst/>
+          </a:prstGeom>
+          <a:ln>
+            <a:solidFill>
+              <a:schemeClr val="bg1"/>
+            </a:solidFill>
+          </a:ln>
+        </p:spPr>
+      </p:pic>
+      <p:pic>
+        <p:nvPicPr>
+          <p:cNvPr id="15" name="Рисунок 14" descr="282518815_651.JPG"/>
+          <p:cNvPicPr>
+            <a:picLocks noChangeAspect="1"/>
+          </p:cNvPicPr>
+          <p:nvPr/>
+        </p:nvPicPr>
+        <p:blipFill>
+          <a:blip r:embed="rId6" cstate="print"/>
+          <a:stretch>
+            <a:fillRect/>
+          </a:stretch>
+        </p:blipFill>
+        <p:spPr>
+          <a:xfrm>
+            <a:off x="6228184" y="1700808"/>
+            <a:ext cx="2664296" cy="1944216"/>
+          </a:xfrm>
+          <a:prstGeom prst="rect">
+            <a:avLst/>
+          </a:prstGeom>
+          <a:ln>
+            <a:solidFill>
+              <a:schemeClr val="bg1"/>
+            </a:solidFill>
+          </a:ln>
+        </p:spPr>
+      </p:pic>
+      <p:pic>
+        <p:nvPicPr>
+          <p:cNvPr id="16" name="Рисунок 15" descr="Emotiv_Headset.jpg"/>
+          <p:cNvPicPr>
+            <a:picLocks noChangeAspect="1"/>
+          </p:cNvPicPr>
+          <p:nvPr/>
+        </p:nvPicPr>
+        <p:blipFill>
+          <a:blip r:embed="rId7" cstate="print"/>
+          <a:srcRect l="42440" t="2160" r="2751" b="14563"/>
+          <a:stretch>
+            <a:fillRect/>
+          </a:stretch>
+        </p:blipFill>
+        <p:spPr>
+          <a:xfrm>
+            <a:off x="6228184" y="3717032"/>
+            <a:ext cx="2665827" cy="2160240"/>
+          </a:xfrm>
+          <a:prstGeom prst="rect">
+            <a:avLst/>
+          </a:prstGeom>
+          <a:ln>
+            <a:solidFill>
+              <a:schemeClr val="bg1"/>
+            </a:solidFill>
+          </a:ln>
+        </p:spPr>
+      </p:pic>
     </p:spTree>
   </p:cSld>
   <p:clrMapOvr>
     <a:masterClrMapping/>
   </p:clrMapOvr>
+  <p:timing>
+    <p:tnLst>
+      <p:par>
+        <p:cTn id="1" dur="indefinite" restart="never" nodeType="tmRoot"/>
+      </p:par>
+    </p:tnLst>
+  </p:timing>
 </p:sld>
 </file>
 
@@ -4400,6 +4738,13 @@
   <p:clrMapOvr>
     <a:masterClrMapping/>
   </p:clrMapOvr>
+  <p:timing>
+    <p:tnLst>
+      <p:par>
+        <p:cTn id="1" dur="indefinite" restart="never" nodeType="tmRoot"/>
+      </p:par>
+    </p:tnLst>
+  </p:timing>
 </p:sld>
 </file>
 
@@ -4466,81 +4811,41 @@
                   <a:srgbClr val="FF8080"/>
                 </a:solidFill>
               </a:rPr>
-              <a:t>"</a:t>
-            </a:r>
+              <a:t>"игрушки" на основе ВР полезны не только игрунам, которые снимают кино. С ними в вузе можно делать много всякой всячины.</a:t>
+            </a:r>
+          </a:p>
+          <a:p>
+            <a:endParaRPr lang="ru-RU" i="1" dirty="0" smtClean="0">
+              <a:solidFill>
+                <a:srgbClr val="FF8080"/>
+              </a:solidFill>
+            </a:endParaRPr>
+          </a:p>
+          <a:p>
             <a:r>
               <a:rPr lang="ru-RU" i="1" dirty="0" smtClean="0">
                 <a:solidFill>
                   <a:srgbClr val="FF8080"/>
                 </a:solidFill>
               </a:rPr>
-              <a:t>игрушки" на основе ВР полезны не только игрунам, которые снимают кино. С ними в вузе можно делать много всякой </a:t>
-            </a:r>
+              <a:t>Из игрушек можно и нужно компоновать комплексы под конкретные задачи.</a:t>
+            </a:r>
+          </a:p>
+          <a:p>
+            <a:endParaRPr lang="ru-RU" i="1" dirty="0" smtClean="0">
+              <a:solidFill>
+                <a:srgbClr val="FF8080"/>
+              </a:solidFill>
+            </a:endParaRPr>
+          </a:p>
+          <a:p>
             <a:r>
               <a:rPr lang="ru-RU" i="1" dirty="0" smtClean="0">
                 <a:solidFill>
                   <a:srgbClr val="FF8080"/>
                 </a:solidFill>
               </a:rPr>
-              <a:t>всячины.</a:t>
-            </a:r>
-          </a:p>
-          <a:p>
-            <a:endParaRPr lang="ru-RU" i="1" dirty="0" smtClean="0">
-              <a:solidFill>
-                <a:srgbClr val="FF8080"/>
-              </a:solidFill>
-            </a:endParaRPr>
-          </a:p>
-          <a:p>
-            <a:r>
-              <a:rPr lang="ru-RU" i="1" dirty="0" smtClean="0">
-                <a:solidFill>
-                  <a:srgbClr val="FF8080"/>
-                </a:solidFill>
-              </a:rPr>
-              <a:t>Из </a:t>
-            </a:r>
-            <a:r>
-              <a:rPr lang="ru-RU" i="1" dirty="0" smtClean="0">
-                <a:solidFill>
-                  <a:srgbClr val="FF8080"/>
-                </a:solidFill>
-              </a:rPr>
-              <a:t>игрушек можно и нужно компоновать комплексы под конкретные </a:t>
-            </a:r>
-            <a:r>
-              <a:rPr lang="ru-RU" i="1" dirty="0" smtClean="0">
-                <a:solidFill>
-                  <a:srgbClr val="FF8080"/>
-                </a:solidFill>
-              </a:rPr>
-              <a:t>задачи.</a:t>
-            </a:r>
-          </a:p>
-          <a:p>
-            <a:endParaRPr lang="ru-RU" i="1" dirty="0" smtClean="0">
-              <a:solidFill>
-                <a:srgbClr val="FF8080"/>
-              </a:solidFill>
-            </a:endParaRPr>
-          </a:p>
-          <a:p>
-            <a:r>
-              <a:rPr lang="ru-RU" i="1" dirty="0" smtClean="0">
-                <a:solidFill>
-                  <a:srgbClr val="FF8080"/>
-                </a:solidFill>
-              </a:rPr>
-              <a:t>Под </a:t>
-            </a:r>
-            <a:r>
-              <a:rPr lang="ru-RU" i="1" dirty="0" smtClean="0">
-                <a:solidFill>
-                  <a:srgbClr val="FF8080"/>
-                </a:solidFill>
-              </a:rPr>
-              <a:t>эти комплексы нужно разрабатывать ПО - а ИТМО именно это и умеет.</a:t>
+              <a:t>Под эти комплексы нужно разрабатывать ПО - а ИТМО именно это и умеет.</a:t>
             </a:r>
             <a:endParaRPr lang="ru-RU" i="1" dirty="0">
               <a:solidFill>
@@ -4555,6 +4860,13 @@
   <p:clrMapOvr>
     <a:masterClrMapping/>
   </p:clrMapOvr>
+  <p:timing>
+    <p:tnLst>
+      <p:par>
+        <p:cTn id="1" dur="indefinite" restart="never" nodeType="tmRoot"/>
+      </p:par>
+    </p:tnLst>
+  </p:timing>
 </p:sld>
 </file>
 

--- a/trunk/Docs/IT_Moscow.pptx
+++ b/trunk/Docs/IT_Moscow.pptx
@@ -5,7 +5,7 @@
     <p:sldMasterId id="2147483900" r:id="rId1"/>
   </p:sldMasterIdLst>
   <p:notesMasterIdLst>
-    <p:notesMasterId r:id="rId12"/>
+    <p:notesMasterId r:id="rId17"/>
   </p:notesMasterIdLst>
   <p:sldIdLst>
     <p:sldId id="256" r:id="rId2"/>
@@ -14,10 +14,15 @@
     <p:sldId id="269" r:id="rId5"/>
     <p:sldId id="272" r:id="rId6"/>
     <p:sldId id="273" r:id="rId7"/>
-    <p:sldId id="274" r:id="rId8"/>
-    <p:sldId id="270" r:id="rId9"/>
-    <p:sldId id="267" r:id="rId10"/>
-    <p:sldId id="259" r:id="rId11"/>
+    <p:sldId id="275" r:id="rId8"/>
+    <p:sldId id="278" r:id="rId9"/>
+    <p:sldId id="280" r:id="rId10"/>
+    <p:sldId id="279" r:id="rId11"/>
+    <p:sldId id="277" r:id="rId12"/>
+    <p:sldId id="274" r:id="rId13"/>
+    <p:sldId id="276" r:id="rId14"/>
+    <p:sldId id="270" r:id="rId15"/>
+    <p:sldId id="259" r:id="rId16"/>
   </p:sldIdLst>
   <p:sldSz cx="9144000" cy="6858000" type="screen4x3"/>
   <p:notesSz cx="6858000" cy="9144000"/>
@@ -3466,11 +3471,7 @@
             </a:br>
             <a:r>
               <a:rPr lang="ru-RU" sz="3600" b="1" dirty="0" smtClean="0"/>
-              <a:t>виртуальной </a:t>
-            </a:r>
-            <a:r>
-              <a:rPr lang="ru-RU" sz="3600" b="1" dirty="0" smtClean="0"/>
-              <a:t>реальности </a:t>
+              <a:t>виртуальной реальности </a:t>
             </a:r>
             <a:r>
               <a:rPr lang="en-US" sz="3600" b="1" dirty="0" smtClean="0"/>
@@ -3481,11 +3482,7 @@
             </a:br>
             <a:r>
               <a:rPr lang="ru-RU" sz="3600" b="1" dirty="0" smtClean="0"/>
-              <a:t>в </a:t>
-            </a:r>
-            <a:r>
-              <a:rPr lang="ru-RU" sz="3600" b="1" dirty="0" smtClean="0"/>
-              <a:t>учебном процессе</a:t>
+              <a:t>в учебном процессе</a:t>
             </a:r>
             <a:endParaRPr lang="ru-RU" sz="3600" cap="none" dirty="0">
               <a:effectLst>
@@ -3557,6 +3554,772 @@
 </file>
 
 <file path=ppt/slides/slide10.xml><?xml version="1.0" encoding="utf-8"?>
+<p:sld xmlns:a="http://schemas.openxmlformats.org/drawingml/2006/main" xmlns:r="http://schemas.openxmlformats.org/officeDocument/2006/relationships" xmlns:p="http://schemas.openxmlformats.org/presentationml/2006/main">
+  <p:cSld>
+    <p:spTree>
+      <p:nvGrpSpPr>
+        <p:cNvPr id="1" name=""/>
+        <p:cNvGrpSpPr/>
+        <p:nvPr/>
+      </p:nvGrpSpPr>
+      <p:grpSpPr>
+        <a:xfrm>
+          <a:off x="0" y="0"/>
+          <a:ext cx="0" cy="0"/>
+          <a:chOff x="0" y="0"/>
+          <a:chExt cx="0" cy="0"/>
+        </a:xfrm>
+      </p:grpSpPr>
+      <p:sp>
+        <p:nvSpPr>
+          <p:cNvPr id="2" name="Заголовок 1"/>
+          <p:cNvSpPr>
+            <a:spLocks noGrp="1"/>
+          </p:cNvSpPr>
+          <p:nvPr>
+            <p:ph type="title"/>
+          </p:nvPr>
+        </p:nvSpPr>
+        <p:spPr/>
+        <p:txBody>
+          <a:bodyPr/>
+          <a:lstStyle/>
+          <a:p>
+            <a:endParaRPr lang="ru-RU"/>
+          </a:p>
+        </p:txBody>
+      </p:sp>
+      <p:sp>
+        <p:nvSpPr>
+          <p:cNvPr id="3" name="Содержимое 2"/>
+          <p:cNvSpPr>
+            <a:spLocks noGrp="1"/>
+          </p:cNvSpPr>
+          <p:nvPr>
+            <p:ph idx="1"/>
+          </p:nvPr>
+        </p:nvSpPr>
+        <p:spPr/>
+        <p:txBody>
+          <a:bodyPr/>
+          <a:lstStyle/>
+          <a:p>
+            <a:endParaRPr lang="ru-RU"/>
+          </a:p>
+        </p:txBody>
+      </p:sp>
+    </p:spTree>
+  </p:cSld>
+  <p:clrMapOvr>
+    <a:masterClrMapping/>
+  </p:clrMapOvr>
+</p:sld>
+</file>
+
+<file path=ppt/slides/slide11.xml><?xml version="1.0" encoding="utf-8"?>
+<p:sld xmlns:a="http://schemas.openxmlformats.org/drawingml/2006/main" xmlns:r="http://schemas.openxmlformats.org/officeDocument/2006/relationships" xmlns:p="http://schemas.openxmlformats.org/presentationml/2006/main">
+  <p:cSld>
+    <p:spTree>
+      <p:nvGrpSpPr>
+        <p:cNvPr id="1" name=""/>
+        <p:cNvGrpSpPr/>
+        <p:nvPr/>
+      </p:nvGrpSpPr>
+      <p:grpSpPr>
+        <a:xfrm>
+          <a:off x="0" y="0"/>
+          <a:ext cx="0" cy="0"/>
+          <a:chOff x="0" y="0"/>
+          <a:chExt cx="0" cy="0"/>
+        </a:xfrm>
+      </p:grpSpPr>
+      <p:sp>
+        <p:nvSpPr>
+          <p:cNvPr id="2" name="Заголовок 1"/>
+          <p:cNvSpPr>
+            <a:spLocks noGrp="1"/>
+          </p:cNvSpPr>
+          <p:nvPr>
+            <p:ph type="title"/>
+          </p:nvPr>
+        </p:nvSpPr>
+        <p:spPr/>
+        <p:txBody>
+          <a:bodyPr/>
+          <a:lstStyle/>
+          <a:p>
+            <a:r>
+              <a:rPr lang="en-US" dirty="0" smtClean="0"/>
+              <a:t>Motion Capture + </a:t>
+            </a:r>
+            <a:r>
+              <a:rPr lang="ru-RU" dirty="0" smtClean="0"/>
+              <a:t>Кибернетика</a:t>
+            </a:r>
+            <a:endParaRPr lang="ru-RU" dirty="0"/>
+          </a:p>
+        </p:txBody>
+      </p:sp>
+      <p:pic>
+        <p:nvPicPr>
+          <p:cNvPr id="6" name="Рисунок 5" descr="quadrotor.jpg"/>
+          <p:cNvPicPr>
+            <a:picLocks noChangeAspect="1"/>
+          </p:cNvPicPr>
+          <p:nvPr/>
+        </p:nvPicPr>
+        <p:blipFill>
+          <a:blip r:embed="rId3" cstate="print"/>
+          <a:stretch>
+            <a:fillRect/>
+          </a:stretch>
+        </p:blipFill>
+        <p:spPr>
+          <a:xfrm>
+            <a:off x="251520" y="1772816"/>
+            <a:ext cx="3096344" cy="2160240"/>
+          </a:xfrm>
+          <a:prstGeom prst="rect">
+            <a:avLst/>
+          </a:prstGeom>
+          <a:ln>
+            <a:solidFill>
+              <a:schemeClr val="bg1"/>
+            </a:solidFill>
+          </a:ln>
+        </p:spPr>
+      </p:pic>
+      <p:pic>
+        <p:nvPicPr>
+          <p:cNvPr id="7" name="qxds_mocap.avi">
+            <a:hlinkClick r:id="" action="ppaction://media"/>
+          </p:cNvPr>
+          <p:cNvPicPr>
+            <a:picLocks noRot="1" noChangeAspect="1"/>
+          </p:cNvPicPr>
+          <p:nvPr>
+            <a:videoFile r:link="rId1"/>
+          </p:nvPr>
+        </p:nvPicPr>
+        <p:blipFill>
+          <a:blip r:embed="rId4" cstate="print"/>
+          <a:stretch>
+            <a:fillRect/>
+          </a:stretch>
+        </p:blipFill>
+        <p:spPr>
+          <a:xfrm>
+            <a:off x="3419872" y="1772816"/>
+            <a:ext cx="5472608" cy="4104456"/>
+          </a:xfrm>
+          <a:prstGeom prst="rect">
+            <a:avLst/>
+          </a:prstGeom>
+          <a:ln>
+            <a:solidFill>
+              <a:schemeClr val="bg1"/>
+            </a:solidFill>
+          </a:ln>
+        </p:spPr>
+      </p:pic>
+      <p:pic>
+        <p:nvPicPr>
+          <p:cNvPr id="8" name="Рисунок 7" descr="polygons.jpg"/>
+          <p:cNvPicPr>
+            <a:picLocks noChangeAspect="1"/>
+          </p:cNvPicPr>
+          <p:nvPr/>
+        </p:nvPicPr>
+        <p:blipFill>
+          <a:blip r:embed="rId5" cstate="print"/>
+          <a:srcRect b="3441"/>
+          <a:stretch>
+            <a:fillRect/>
+          </a:stretch>
+        </p:blipFill>
+        <p:spPr>
+          <a:xfrm>
+            <a:off x="251520" y="4005064"/>
+            <a:ext cx="3096344" cy="1872208"/>
+          </a:xfrm>
+          <a:prstGeom prst="rect">
+            <a:avLst/>
+          </a:prstGeom>
+          <a:ln>
+            <a:solidFill>
+              <a:schemeClr val="bg1"/>
+            </a:solidFill>
+          </a:ln>
+        </p:spPr>
+      </p:pic>
+    </p:spTree>
+  </p:cSld>
+  <p:clrMapOvr>
+    <a:masterClrMapping/>
+  </p:clrMapOvr>
+  <p:timing>
+    <p:tnLst>
+      <p:par>
+        <p:cTn id="1" dur="indefinite" restart="never" nodeType="tmRoot">
+          <p:childTnLst>
+            <p:seq concurrent="1" nextAc="seek">
+              <p:cTn id="2" restart="whenNotActive" fill="hold" evtFilter="cancelBubble" nodeType="interactiveSeq">
+                <p:stCondLst>
+                  <p:cond evt="onClick" delay="0">
+                    <p:tgtEl>
+                      <p:spTgt spid="7"/>
+                    </p:tgtEl>
+                  </p:cond>
+                </p:stCondLst>
+                <p:endSync evt="end" delay="0">
+                  <p:rtn val="all"/>
+                </p:endSync>
+                <p:childTnLst>
+                  <p:par>
+                    <p:cTn id="3" fill="hold">
+                      <p:stCondLst>
+                        <p:cond delay="0"/>
+                      </p:stCondLst>
+                      <p:childTnLst>
+                        <p:par>
+                          <p:cTn id="4" fill="hold">
+                            <p:stCondLst>
+                              <p:cond delay="0"/>
+                            </p:stCondLst>
+                            <p:childTnLst>
+                              <p:par>
+                                <p:cTn id="5" presetID="2" presetClass="mediacall" presetSubtype="0" fill="hold" nodeType="clickEffect">
+                                  <p:stCondLst>
+                                    <p:cond delay="0"/>
+                                  </p:stCondLst>
+                                  <p:childTnLst>
+                                    <p:cmd type="call" cmd="togglePause">
+                                      <p:cBhvr>
+                                        <p:cTn id="6" dur="1" fill="hold"/>
+                                        <p:tgtEl>
+                                          <p:spTgt spid="7"/>
+                                        </p:tgtEl>
+                                      </p:cBhvr>
+                                    </p:cmd>
+                                  </p:childTnLst>
+                                </p:cTn>
+                              </p:par>
+                            </p:childTnLst>
+                          </p:cTn>
+                        </p:par>
+                      </p:childTnLst>
+                    </p:cTn>
+                  </p:par>
+                </p:childTnLst>
+              </p:cTn>
+              <p:nextCondLst>
+                <p:cond evt="onClick" delay="0">
+                  <p:tgtEl>
+                    <p:spTgt spid="7"/>
+                  </p:tgtEl>
+                </p:cond>
+              </p:nextCondLst>
+            </p:seq>
+            <p:video>
+              <p:cMediaNode>
+                <p:cTn id="7" fill="hold" display="0">
+                  <p:stCondLst>
+                    <p:cond delay="indefinite"/>
+                  </p:stCondLst>
+                  <p:endCondLst>
+                    <p:cond evt="onNext" delay="0">
+                      <p:tgtEl>
+                        <p:sldTgt/>
+                      </p:tgtEl>
+                    </p:cond>
+                    <p:cond evt="onPrev" delay="0">
+                      <p:tgtEl>
+                        <p:sldTgt/>
+                      </p:tgtEl>
+                    </p:cond>
+                  </p:endCondLst>
+                </p:cTn>
+                <p:tgtEl>
+                  <p:spTgt spid="7"/>
+                </p:tgtEl>
+              </p:cMediaNode>
+            </p:video>
+          </p:childTnLst>
+        </p:cTn>
+      </p:par>
+    </p:tnLst>
+  </p:timing>
+</p:sld>
+</file>
+
+<file path=ppt/slides/slide12.xml><?xml version="1.0" encoding="utf-8"?>
+<p:sld xmlns:a="http://schemas.openxmlformats.org/drawingml/2006/main" xmlns:r="http://schemas.openxmlformats.org/officeDocument/2006/relationships" xmlns:p="http://schemas.openxmlformats.org/presentationml/2006/main">
+  <p:cSld>
+    <p:spTree>
+      <p:nvGrpSpPr>
+        <p:cNvPr id="1" name=""/>
+        <p:cNvGrpSpPr/>
+        <p:nvPr/>
+      </p:nvGrpSpPr>
+      <p:grpSpPr>
+        <a:xfrm>
+          <a:off x="0" y="0"/>
+          <a:ext cx="0" cy="0"/>
+          <a:chOff x="0" y="0"/>
+          <a:chExt cx="0" cy="0"/>
+        </a:xfrm>
+      </p:grpSpPr>
+      <p:sp>
+        <p:nvSpPr>
+          <p:cNvPr id="2" name="Заголовок 1"/>
+          <p:cNvSpPr>
+            <a:spLocks noGrp="1"/>
+          </p:cNvSpPr>
+          <p:nvPr>
+            <p:ph type="title"/>
+          </p:nvPr>
+        </p:nvSpPr>
+        <p:spPr/>
+        <p:txBody>
+          <a:bodyPr/>
+          <a:lstStyle/>
+          <a:p>
+            <a:r>
+              <a:rPr lang="ru-RU" dirty="0" smtClean="0"/>
+              <a:t>Курсы </a:t>
+            </a:r>
+            <a:r>
+              <a:rPr lang="ru-RU" dirty="0" smtClean="0"/>
+              <a:t>по технологиям ВР</a:t>
+            </a:r>
+            <a:endParaRPr lang="ru-RU" dirty="0"/>
+          </a:p>
+        </p:txBody>
+      </p:sp>
+      <p:sp>
+        <p:nvSpPr>
+          <p:cNvPr id="3" name="Содержимое 2"/>
+          <p:cNvSpPr>
+            <a:spLocks noGrp="1"/>
+          </p:cNvSpPr>
+          <p:nvPr>
+            <p:ph sz="half" idx="1"/>
+          </p:nvPr>
+        </p:nvSpPr>
+        <p:spPr/>
+        <p:txBody>
+          <a:bodyPr>
+            <a:normAutofit/>
+          </a:bodyPr>
+          <a:lstStyle/>
+          <a:p>
+            <a:r>
+              <a:rPr lang="ru-RU" sz="2400" dirty="0" smtClean="0"/>
+              <a:t>Алгоритмы интерактивной компьютерной графики и научной </a:t>
+            </a:r>
+            <a:r>
+              <a:rPr lang="ru-RU" sz="2400" dirty="0" err="1" smtClean="0"/>
+              <a:t>визуализции</a:t>
+            </a:r>
+            <a:endParaRPr lang="en-US" sz="2400" dirty="0" smtClean="0"/>
+          </a:p>
+          <a:p>
+            <a:endParaRPr lang="ru-RU" sz="2400" dirty="0" smtClean="0"/>
+          </a:p>
+          <a:p>
+            <a:r>
+              <a:rPr lang="ru-RU" sz="2400" dirty="0" smtClean="0"/>
+              <a:t>Общие сведения об архитектуре графических ускорителей</a:t>
+            </a:r>
+            <a:endParaRPr lang="en-US" sz="2400" dirty="0" smtClean="0"/>
+          </a:p>
+          <a:p>
+            <a:endParaRPr lang="en-US" sz="2400" dirty="0" smtClean="0"/>
+          </a:p>
+        </p:txBody>
+      </p:sp>
+      <p:sp>
+        <p:nvSpPr>
+          <p:cNvPr id="4" name="Содержимое 3"/>
+          <p:cNvSpPr>
+            <a:spLocks noGrp="1"/>
+          </p:cNvSpPr>
+          <p:nvPr>
+            <p:ph sz="half" idx="2"/>
+          </p:nvPr>
+        </p:nvSpPr>
+        <p:spPr/>
+        <p:txBody>
+          <a:bodyPr>
+            <a:normAutofit/>
+          </a:bodyPr>
+          <a:lstStyle/>
+          <a:p>
+            <a:r>
+              <a:rPr lang="en-US" sz="2400" dirty="0" smtClean="0">
+                <a:solidFill>
+                  <a:srgbClr val="80FF80"/>
+                </a:solidFill>
+              </a:rPr>
+              <a:t>XNA</a:t>
+            </a:r>
+            <a:r>
+              <a:rPr lang="ru-RU" sz="2400" dirty="0" smtClean="0"/>
+              <a:t> </a:t>
+            </a:r>
+            <a:r>
+              <a:rPr lang="en-US" sz="2400" dirty="0" smtClean="0"/>
+              <a:t>| </a:t>
+            </a:r>
+            <a:r>
+              <a:rPr lang="en-US" sz="2400" dirty="0" smtClean="0">
+                <a:solidFill>
+                  <a:srgbClr val="FF8080"/>
+                </a:solidFill>
+              </a:rPr>
+              <a:t>Direct3D</a:t>
+            </a:r>
+            <a:r>
+              <a:rPr lang="en-US" sz="2400" dirty="0" smtClean="0"/>
+              <a:t> | </a:t>
+            </a:r>
+            <a:r>
+              <a:rPr lang="en-US" sz="2400" dirty="0" smtClean="0">
+                <a:solidFill>
+                  <a:srgbClr val="FF8080"/>
+                </a:solidFill>
+              </a:rPr>
+              <a:t>OpenGL</a:t>
+            </a:r>
+            <a:endParaRPr lang="en-US" sz="2400" dirty="0" smtClean="0">
+              <a:solidFill>
+                <a:srgbClr val="FF8080"/>
+              </a:solidFill>
+            </a:endParaRPr>
+          </a:p>
+          <a:p>
+            <a:r>
+              <a:rPr lang="en-US" sz="2400" i="1" dirty="0" smtClean="0">
+                <a:solidFill>
+                  <a:srgbClr val="FF8080"/>
+                </a:solidFill>
+              </a:rPr>
+              <a:t>VTK</a:t>
+            </a:r>
+            <a:endParaRPr lang="ru-RU" sz="2400" i="1" dirty="0" smtClean="0">
+              <a:solidFill>
+                <a:srgbClr val="FF8080"/>
+              </a:solidFill>
+            </a:endParaRPr>
+          </a:p>
+          <a:p>
+            <a:r>
+              <a:rPr lang="en-US" sz="2400" dirty="0" smtClean="0">
+                <a:solidFill>
+                  <a:srgbClr val="80FF80"/>
+                </a:solidFill>
+              </a:rPr>
+              <a:t>CUDA</a:t>
+            </a:r>
+            <a:r>
+              <a:rPr lang="en-US" sz="2400" dirty="0" smtClean="0"/>
+              <a:t> | </a:t>
+            </a:r>
+            <a:r>
+              <a:rPr lang="en-US" sz="2400" dirty="0" err="1" smtClean="0">
+                <a:solidFill>
+                  <a:srgbClr val="FF8080"/>
+                </a:solidFill>
+              </a:rPr>
+              <a:t>OpenCL</a:t>
+            </a:r>
+            <a:endParaRPr lang="en-US" sz="2400" dirty="0" smtClean="0">
+              <a:solidFill>
+                <a:srgbClr val="FF8080"/>
+              </a:solidFill>
+            </a:endParaRPr>
+          </a:p>
+          <a:p>
+            <a:r>
+              <a:rPr lang="en-US" sz="2400" dirty="0" err="1" smtClean="0">
+                <a:solidFill>
+                  <a:srgbClr val="80FF80"/>
+                </a:solidFill>
+              </a:rPr>
+              <a:t>Kinect</a:t>
+            </a:r>
+            <a:endParaRPr lang="en-US" sz="2400" dirty="0" smtClean="0">
+              <a:solidFill>
+                <a:srgbClr val="80FF80"/>
+              </a:solidFill>
+            </a:endParaRPr>
+          </a:p>
+          <a:p>
+            <a:r>
+              <a:rPr lang="en-US" sz="2400" dirty="0" err="1" smtClean="0">
+                <a:solidFill>
+                  <a:srgbClr val="80FF80"/>
+                </a:solidFill>
+              </a:rPr>
+              <a:t>Playstation</a:t>
+            </a:r>
+            <a:r>
+              <a:rPr lang="en-US" sz="2400" dirty="0" smtClean="0">
+                <a:solidFill>
+                  <a:srgbClr val="80FF80"/>
+                </a:solidFill>
+              </a:rPr>
+              <a:t> Move</a:t>
+            </a:r>
+          </a:p>
+          <a:p>
+            <a:r>
+              <a:rPr lang="en-US" sz="2400" dirty="0" smtClean="0">
+                <a:solidFill>
+                  <a:srgbClr val="80FF80"/>
+                </a:solidFill>
+              </a:rPr>
+              <a:t>Motion Capture</a:t>
+            </a:r>
+          </a:p>
+          <a:p>
+            <a:r>
+              <a:rPr lang="en-US" sz="2400" dirty="0" smtClean="0">
+                <a:solidFill>
+                  <a:srgbClr val="80FF80"/>
+                </a:solidFill>
+              </a:rPr>
+              <a:t>Touch</a:t>
+            </a:r>
+            <a:endParaRPr lang="ru-RU" sz="2400" dirty="0" smtClean="0">
+              <a:solidFill>
+                <a:srgbClr val="80FF80"/>
+              </a:solidFill>
+            </a:endParaRPr>
+          </a:p>
+          <a:p>
+            <a:endParaRPr lang="ru-RU" sz="2400" dirty="0"/>
+          </a:p>
+        </p:txBody>
+      </p:sp>
+    </p:spTree>
+  </p:cSld>
+  <p:clrMapOvr>
+    <a:masterClrMapping/>
+  </p:clrMapOvr>
+  <p:timing>
+    <p:tnLst>
+      <p:par>
+        <p:cTn id="1" dur="indefinite" restart="never" nodeType="tmRoot"/>
+      </p:par>
+    </p:tnLst>
+  </p:timing>
+</p:sld>
+</file>
+
+<file path=ppt/slides/slide13.xml><?xml version="1.0" encoding="utf-8"?>
+<p:sld xmlns:a="http://schemas.openxmlformats.org/drawingml/2006/main" xmlns:r="http://schemas.openxmlformats.org/officeDocument/2006/relationships" xmlns:p="http://schemas.openxmlformats.org/presentationml/2006/main">
+  <p:cSld>
+    <p:spTree>
+      <p:nvGrpSpPr>
+        <p:cNvPr id="1" name=""/>
+        <p:cNvGrpSpPr/>
+        <p:nvPr/>
+      </p:nvGrpSpPr>
+      <p:grpSpPr>
+        <a:xfrm>
+          <a:off x="0" y="0"/>
+          <a:ext cx="0" cy="0"/>
+          <a:chOff x="0" y="0"/>
+          <a:chExt cx="0" cy="0"/>
+        </a:xfrm>
+      </p:grpSpPr>
+      <p:sp>
+        <p:nvSpPr>
+          <p:cNvPr id="2" name="Заголовок 1"/>
+          <p:cNvSpPr>
+            <a:spLocks noGrp="1"/>
+          </p:cNvSpPr>
+          <p:nvPr>
+            <p:ph type="title"/>
+          </p:nvPr>
+        </p:nvSpPr>
+        <p:spPr/>
+        <p:txBody>
+          <a:bodyPr>
+            <a:normAutofit fontScale="90000"/>
+          </a:bodyPr>
+          <a:lstStyle/>
+          <a:p>
+            <a:r>
+              <a:rPr lang="ru-RU" dirty="0" smtClean="0"/>
+              <a:t>Применения </a:t>
+            </a:r>
+            <a:r>
+              <a:rPr lang="ru-RU" dirty="0" smtClean="0"/>
+              <a:t>технологий ВР в вузе</a:t>
+            </a:r>
+            <a:endParaRPr lang="ru-RU" dirty="0"/>
+          </a:p>
+        </p:txBody>
+      </p:sp>
+      <p:sp>
+        <p:nvSpPr>
+          <p:cNvPr id="3" name="Содержимое 2"/>
+          <p:cNvSpPr>
+            <a:spLocks noGrp="1"/>
+          </p:cNvSpPr>
+          <p:nvPr>
+            <p:ph idx="1"/>
+          </p:nvPr>
+        </p:nvSpPr>
+        <p:spPr/>
+        <p:txBody>
+          <a:bodyPr/>
+          <a:lstStyle/>
+          <a:p>
+            <a:endParaRPr lang="ru-RU"/>
+          </a:p>
+        </p:txBody>
+      </p:sp>
+    </p:spTree>
+  </p:cSld>
+  <p:clrMapOvr>
+    <a:masterClrMapping/>
+  </p:clrMapOvr>
+  <p:timing>
+    <p:tnLst>
+      <p:par>
+        <p:cTn id="1" dur="indefinite" restart="never" nodeType="tmRoot"/>
+      </p:par>
+    </p:tnLst>
+  </p:timing>
+</p:sld>
+</file>
+
+<file path=ppt/slides/slide14.xml><?xml version="1.0" encoding="utf-8"?>
+<p:sld xmlns:a="http://schemas.openxmlformats.org/drawingml/2006/main" xmlns:r="http://schemas.openxmlformats.org/officeDocument/2006/relationships" xmlns:p="http://schemas.openxmlformats.org/presentationml/2006/main">
+  <p:cSld>
+    <p:spTree>
+      <p:nvGrpSpPr>
+        <p:cNvPr id="1" name=""/>
+        <p:cNvGrpSpPr/>
+        <p:nvPr/>
+      </p:nvGrpSpPr>
+      <p:grpSpPr>
+        <a:xfrm>
+          <a:off x="0" y="0"/>
+          <a:ext cx="0" cy="0"/>
+          <a:chOff x="0" y="0"/>
+          <a:chExt cx="0" cy="0"/>
+        </a:xfrm>
+      </p:grpSpPr>
+      <p:sp>
+        <p:nvSpPr>
+          <p:cNvPr id="2" name="Заголовок 1"/>
+          <p:cNvSpPr>
+            <a:spLocks noGrp="1"/>
+          </p:cNvSpPr>
+          <p:nvPr>
+            <p:ph type="title"/>
+          </p:nvPr>
+        </p:nvSpPr>
+        <p:spPr/>
+        <p:txBody>
+          <a:bodyPr/>
+          <a:lstStyle/>
+          <a:p>
+            <a:r>
+              <a:rPr lang="ru-RU" dirty="0" smtClean="0"/>
+              <a:t>Заключение</a:t>
+            </a:r>
+            <a:endParaRPr lang="ru-RU" dirty="0"/>
+          </a:p>
+        </p:txBody>
+      </p:sp>
+      <p:sp>
+        <p:nvSpPr>
+          <p:cNvPr id="3" name="Содержимое 2"/>
+          <p:cNvSpPr>
+            <a:spLocks noGrp="1"/>
+          </p:cNvSpPr>
+          <p:nvPr>
+            <p:ph idx="1"/>
+          </p:nvPr>
+        </p:nvSpPr>
+        <p:spPr/>
+        <p:txBody>
+          <a:bodyPr>
+            <a:normAutofit lnSpcReduction="10000"/>
+          </a:bodyPr>
+          <a:lstStyle/>
+          <a:p>
+            <a:r>
+              <a:rPr lang="ru-RU" i="1" dirty="0" smtClean="0">
+                <a:solidFill>
+                  <a:srgbClr val="FF8080"/>
+                </a:solidFill>
+              </a:rPr>
+              <a:t>"игрушки" на основе ВР полезны не только игрунам, которые снимают кино. С ними в вузе можно делать много всякой всячины.</a:t>
+            </a:r>
+          </a:p>
+          <a:p>
+            <a:endParaRPr lang="ru-RU" i="1" dirty="0" smtClean="0">
+              <a:solidFill>
+                <a:srgbClr val="FF8080"/>
+              </a:solidFill>
+            </a:endParaRPr>
+          </a:p>
+          <a:p>
+            <a:r>
+              <a:rPr lang="ru-RU" i="1" dirty="0" smtClean="0">
+                <a:solidFill>
+                  <a:srgbClr val="FF8080"/>
+                </a:solidFill>
+              </a:rPr>
+              <a:t>Из игрушек можно и нужно компоновать комплексы под конкретные задачи.</a:t>
+            </a:r>
+          </a:p>
+          <a:p>
+            <a:endParaRPr lang="ru-RU" i="1" dirty="0" smtClean="0">
+              <a:solidFill>
+                <a:srgbClr val="FF8080"/>
+              </a:solidFill>
+            </a:endParaRPr>
+          </a:p>
+          <a:p>
+            <a:r>
+              <a:rPr lang="ru-RU" i="1" dirty="0" smtClean="0">
+                <a:solidFill>
+                  <a:srgbClr val="FF8080"/>
+                </a:solidFill>
+              </a:rPr>
+              <a:t>Под эти комплексы нужно разрабатывать ПО - а ИТМО именно это и умеет.</a:t>
+            </a:r>
+            <a:endParaRPr lang="ru-RU" i="1" dirty="0">
+              <a:solidFill>
+                <a:srgbClr val="FF8080"/>
+              </a:solidFill>
+            </a:endParaRPr>
+          </a:p>
+        </p:txBody>
+      </p:sp>
+    </p:spTree>
+  </p:cSld>
+  <p:clrMapOvr>
+    <a:masterClrMapping/>
+  </p:clrMapOvr>
+  <p:timing>
+    <p:tnLst>
+      <p:par>
+        <p:cTn id="1" dur="indefinite" restart="never" nodeType="tmRoot"/>
+      </p:par>
+    </p:tnLst>
+  </p:timing>
+</p:sld>
+</file>
+
+<file path=ppt/slides/slide15.xml><?xml version="1.0" encoding="utf-8"?>
 <p:sld xmlns:a="http://schemas.openxmlformats.org/drawingml/2006/main" xmlns:r="http://schemas.openxmlformats.org/officeDocument/2006/relationships" xmlns:p="http://schemas.openxmlformats.org/presentationml/2006/main">
   <p:cSld>
     <p:spTree>
@@ -4209,11 +4972,7 @@
           <a:p>
             <a:r>
               <a:rPr lang="ru-RU" sz="3600" dirty="0" smtClean="0"/>
-              <a:t>Технические средства создания </a:t>
-            </a:r>
-            <a:r>
-              <a:rPr lang="ru-RU" sz="3600" dirty="0" smtClean="0"/>
-              <a:t>ВР</a:t>
+              <a:t>Технические средства создания ВР</a:t>
             </a:r>
             <a:r>
               <a:rPr lang="en-US" sz="3600" dirty="0" smtClean="0"/>
@@ -4469,11 +5228,7 @@
             </a:r>
             <a:r>
               <a:rPr lang="ru-RU" dirty="0" smtClean="0"/>
-              <a:t>средства </a:t>
-            </a:r>
-            <a:r>
-              <a:rPr lang="ru-RU" dirty="0" smtClean="0"/>
-              <a:t>ЧКВ</a:t>
+              <a:t>средства ЧКВ</a:t>
             </a:r>
             <a:r>
               <a:rPr lang="en-US" dirty="0" smtClean="0"/>
@@ -4708,7 +5463,7 @@
           <a:p>
             <a:r>
               <a:rPr lang="ru-RU" dirty="0" smtClean="0"/>
-              <a:t>Курс по технологиям ВР</a:t>
+              <a:t>Оборудование НИИ НКТ</a:t>
             </a:r>
             <a:endParaRPr lang="ru-RU" dirty="0"/>
           </a:p>
@@ -4716,7 +5471,7 @@
       </p:sp>
       <p:sp>
         <p:nvSpPr>
-          <p:cNvPr id="3" name="Содержимое 2"/>
+          <p:cNvPr id="4" name="Содержимое 3"/>
           <p:cNvSpPr>
             <a:spLocks noGrp="1"/>
           </p:cNvSpPr>
@@ -4726,10 +5481,27 @@
         </p:nvSpPr>
         <p:spPr/>
         <p:txBody>
-          <a:bodyPr/>
-          <a:lstStyle/>
-          <a:p>
-            <a:endParaRPr lang="ru-RU" dirty="0"/>
+          <a:bodyPr>
+            <a:noAutofit/>
+          </a:bodyPr>
+          <a:lstStyle/>
+          <a:p>
+            <a:pPr algn="ctr">
+              <a:buNone/>
+            </a:pPr>
+            <a:r>
+              <a:rPr lang="ru-RU" sz="16600" b="1" dirty="0" smtClean="0">
+                <a:solidFill>
+                  <a:srgbClr val="FF0000"/>
+                </a:solidFill>
+              </a:rPr>
+              <a:t>ФОТКИ!</a:t>
+            </a:r>
+            <a:endParaRPr lang="ru-RU" sz="16600" b="1" dirty="0">
+              <a:solidFill>
+                <a:srgbClr val="FF0000"/>
+              </a:solidFill>
+            </a:endParaRPr>
           </a:p>
         </p:txBody>
       </p:sp>
@@ -4780,11 +5552,7 @@
           <a:bodyPr/>
           <a:lstStyle/>
           <a:p>
-            <a:r>
-              <a:rPr lang="ru-RU" dirty="0" smtClean="0"/>
-              <a:t>Заключение</a:t>
-            </a:r>
-            <a:endParaRPr lang="ru-RU" dirty="0"/>
+            <a:endParaRPr lang="ru-RU"/>
           </a:p>
         </p:txBody>
       </p:sp>
@@ -4800,58 +5568,10 @@
         </p:nvSpPr>
         <p:spPr/>
         <p:txBody>
-          <a:bodyPr>
-            <a:normAutofit lnSpcReduction="10000"/>
-          </a:bodyPr>
-          <a:lstStyle/>
-          <a:p>
-            <a:r>
-              <a:rPr lang="ru-RU" i="1" dirty="0" smtClean="0">
-                <a:solidFill>
-                  <a:srgbClr val="FF8080"/>
-                </a:solidFill>
-              </a:rPr>
-              <a:t>"игрушки" на основе ВР полезны не только игрунам, которые снимают кино. С ними в вузе можно делать много всякой всячины.</a:t>
-            </a:r>
-          </a:p>
-          <a:p>
-            <a:endParaRPr lang="ru-RU" i="1" dirty="0" smtClean="0">
-              <a:solidFill>
-                <a:srgbClr val="FF8080"/>
-              </a:solidFill>
-            </a:endParaRPr>
-          </a:p>
-          <a:p>
-            <a:r>
-              <a:rPr lang="ru-RU" i="1" dirty="0" smtClean="0">
-                <a:solidFill>
-                  <a:srgbClr val="FF8080"/>
-                </a:solidFill>
-              </a:rPr>
-              <a:t>Из игрушек можно и нужно компоновать комплексы под конкретные задачи.</a:t>
-            </a:r>
-          </a:p>
-          <a:p>
-            <a:endParaRPr lang="ru-RU" i="1" dirty="0" smtClean="0">
-              <a:solidFill>
-                <a:srgbClr val="FF8080"/>
-              </a:solidFill>
-            </a:endParaRPr>
-          </a:p>
-          <a:p>
-            <a:r>
-              <a:rPr lang="ru-RU" i="1" dirty="0" smtClean="0">
-                <a:solidFill>
-                  <a:srgbClr val="FF8080"/>
-                </a:solidFill>
-              </a:rPr>
-              <a:t>Под эти комплексы нужно разрабатывать ПО - а ИТМО именно это и умеет.</a:t>
-            </a:r>
-            <a:endParaRPr lang="ru-RU" i="1" dirty="0">
-              <a:solidFill>
-                <a:srgbClr val="FF8080"/>
-              </a:solidFill>
-            </a:endParaRPr>
+          <a:bodyPr/>
+          <a:lstStyle/>
+          <a:p>
+            <a:endParaRPr lang="ru-RU"/>
           </a:p>
         </p:txBody>
       </p:sp>
@@ -4860,13 +5580,6 @@
   <p:clrMapOvr>
     <a:masterClrMapping/>
   </p:clrMapOvr>
-  <p:timing>
-    <p:tnLst>
-      <p:par>
-        <p:cTn id="1" dur="indefinite" restart="never" nodeType="tmRoot"/>
-      </p:par>
-    </p:tnLst>
-  </p:timing>
 </p:sld>
 </file>
 
@@ -4902,11 +5615,7 @@
           <a:bodyPr/>
           <a:lstStyle/>
           <a:p>
-            <a:r>
-              <a:rPr lang="ru-RU" dirty="0" smtClean="0"/>
-              <a:t>Заключение</a:t>
-            </a:r>
-            <a:endParaRPr lang="ru-RU" dirty="0"/>
+            <a:endParaRPr lang="ru-RU"/>
           </a:p>
         </p:txBody>
       </p:sp>
@@ -4920,220 +5629,12 @@
             <p:ph idx="1"/>
           </p:nvPr>
         </p:nvSpPr>
-        <p:spPr>
-          <a:solidFill>
-            <a:srgbClr val="000000">
-              <a:alpha val="70000"/>
-            </a:srgbClr>
-          </a:solidFill>
-        </p:spPr>
-        <p:txBody>
-          <a:bodyPr>
-            <a:noAutofit/>
-          </a:bodyPr>
-          <a:lstStyle/>
-          <a:p>
-            <a:r>
-              <a:rPr lang="ru-RU" sz="2400" dirty="0" smtClean="0">
-                <a:effectLst>
-                  <a:outerShdw blurRad="38100" dist="38100" dir="2700000" algn="tl">
-                    <a:srgbClr val="000000">
-                      <a:alpha val="43137"/>
-                    </a:srgbClr>
-                  </a:outerShdw>
-                </a:effectLst>
-              </a:rPr>
-              <a:t>Сформулирован круг и особенности задач для комплекса групповой навигации 4Р-БПЛА в закрытых помещениях</a:t>
-            </a:r>
-          </a:p>
-          <a:p>
-            <a:r>
-              <a:rPr lang="ru-RU" sz="2400" dirty="0" smtClean="0">
-                <a:effectLst>
-                  <a:outerShdw blurRad="38100" dist="38100" dir="2700000" algn="tl">
-                    <a:srgbClr val="000000">
-                      <a:alpha val="43137"/>
-                    </a:srgbClr>
-                  </a:outerShdw>
-                </a:effectLst>
-              </a:rPr>
-              <a:t>Проанализированы варианты аппаратной платформы для бортовой электроники </a:t>
-            </a:r>
-            <a:br>
-              <a:rPr lang="ru-RU" sz="2400" dirty="0" smtClean="0">
-                <a:effectLst>
-                  <a:outerShdw blurRad="38100" dist="38100" dir="2700000" algn="tl">
-                    <a:srgbClr val="000000">
-                      <a:alpha val="43137"/>
-                    </a:srgbClr>
-                  </a:outerShdw>
-                </a:effectLst>
-              </a:rPr>
-            </a:br>
-            <a:r>
-              <a:rPr lang="ru-RU" sz="2400" dirty="0" smtClean="0">
-                <a:effectLst>
-                  <a:outerShdw blurRad="38100" dist="38100" dir="2700000" algn="tl">
-                    <a:srgbClr val="000000">
-                      <a:alpha val="43137"/>
-                    </a:srgbClr>
-                  </a:outerShdw>
-                </a:effectLst>
-              </a:rPr>
-              <a:t>4Р БПЛА</a:t>
-            </a:r>
-            <a:endParaRPr lang="en-US" sz="2400" dirty="0" smtClean="0">
-              <a:effectLst>
-                <a:outerShdw blurRad="38100" dist="38100" dir="2700000" algn="tl">
-                  <a:srgbClr val="000000">
-                    <a:alpha val="43137"/>
-                  </a:srgbClr>
-                </a:outerShdw>
-              </a:effectLst>
-            </a:endParaRPr>
-          </a:p>
-          <a:p>
-            <a:r>
-              <a:rPr lang="ru-RU" sz="2400" dirty="0" smtClean="0">
-                <a:effectLst>
-                  <a:outerShdw blurRad="38100" dist="38100" dir="2700000" algn="tl">
-                    <a:srgbClr val="000000">
-                      <a:alpha val="43137"/>
-                    </a:srgbClr>
-                  </a:outerShdw>
-                </a:effectLst>
-              </a:rPr>
-              <a:t>Собран летный прототип 4Р-БПЛА </a:t>
-            </a:r>
-          </a:p>
-          <a:p>
-            <a:r>
-              <a:rPr lang="ru-RU" sz="2400" dirty="0" smtClean="0">
-                <a:effectLst>
-                  <a:outerShdw blurRad="38100" dist="38100" dir="2700000" algn="tl">
-                    <a:srgbClr val="000000">
-                      <a:alpha val="43137"/>
-                    </a:srgbClr>
-                  </a:outerShdw>
-                </a:effectLst>
-              </a:rPr>
-              <a:t>Частично разработано ПО бортового оборудования</a:t>
-            </a:r>
-            <a:r>
-              <a:rPr lang="en-US" sz="2400" dirty="0" smtClean="0">
-                <a:effectLst>
-                  <a:outerShdw blurRad="38100" dist="38100" dir="2700000" algn="tl">
-                    <a:srgbClr val="000000">
-                      <a:alpha val="43137"/>
-                    </a:srgbClr>
-                  </a:outerShdw>
-                </a:effectLst>
-              </a:rPr>
-              <a:t> </a:t>
-            </a:r>
-            <a:r>
-              <a:rPr lang="ru-RU" sz="2400" dirty="0" smtClean="0">
-                <a:effectLst>
-                  <a:outerShdw blurRad="38100" dist="38100" dir="2700000" algn="tl">
-                    <a:srgbClr val="000000">
-                      <a:alpha val="43137"/>
-                    </a:srgbClr>
-                  </a:outerShdw>
-                </a:effectLst>
-              </a:rPr>
-              <a:t>на базе платформы </a:t>
-            </a:r>
-            <a:r>
-              <a:rPr lang="en-US" sz="2400" dirty="0" err="1" smtClean="0">
-                <a:effectLst>
-                  <a:outerShdw blurRad="38100" dist="38100" dir="2700000" algn="tl">
-                    <a:srgbClr val="000000">
-                      <a:alpha val="43137"/>
-                    </a:srgbClr>
-                  </a:outerShdw>
-                </a:effectLst>
-              </a:rPr>
-              <a:t>Arduino</a:t>
-            </a:r>
-            <a:endParaRPr lang="en-US" sz="2400" dirty="0" smtClean="0">
-              <a:effectLst>
-                <a:outerShdw blurRad="38100" dist="38100" dir="2700000" algn="tl">
-                  <a:srgbClr val="000000">
-                    <a:alpha val="43137"/>
-                  </a:srgbClr>
-                </a:outerShdw>
-              </a:effectLst>
-            </a:endParaRPr>
-          </a:p>
-          <a:p>
-            <a:r>
-              <a:rPr lang="ru-RU" sz="2400" dirty="0" smtClean="0">
-                <a:effectLst>
-                  <a:outerShdw blurRad="38100" dist="38100" dir="2700000" algn="tl">
-                    <a:srgbClr val="000000">
-                      <a:alpha val="43137"/>
-                    </a:srgbClr>
-                  </a:outerShdw>
-                </a:effectLst>
-              </a:rPr>
-              <a:t>Частично разработано ПО ПК оператора</a:t>
-            </a:r>
-            <a:r>
-              <a:rPr lang="en-US" sz="2400" dirty="0" smtClean="0">
-                <a:effectLst>
-                  <a:outerShdw blurRad="38100" dist="38100" dir="2700000" algn="tl">
-                    <a:srgbClr val="000000">
-                      <a:alpha val="43137"/>
-                    </a:srgbClr>
-                  </a:outerShdw>
-                </a:effectLst>
-              </a:rPr>
-              <a:t> (</a:t>
-            </a:r>
-            <a:r>
-              <a:rPr lang="en-US" sz="2400" dirty="0" err="1" smtClean="0">
-                <a:effectLst>
-                  <a:outerShdw blurRad="38100" dist="38100" dir="2700000" algn="tl">
-                    <a:srgbClr val="000000">
-                      <a:alpha val="43137"/>
-                    </a:srgbClr>
-                  </a:outerShdw>
-                </a:effectLst>
-              </a:rPr>
-              <a:t>QuadroX</a:t>
-            </a:r>
-            <a:r>
-              <a:rPr lang="en-US" sz="2400" dirty="0" smtClean="0">
-                <a:effectLst>
-                  <a:outerShdw blurRad="38100" dist="38100" dir="2700000" algn="tl">
-                    <a:srgbClr val="000000">
-                      <a:alpha val="43137"/>
-                    </a:srgbClr>
-                  </a:outerShdw>
-                </a:effectLst>
-              </a:rPr>
-              <a:t>-DS)</a:t>
-            </a:r>
-            <a:endParaRPr lang="ru-RU" sz="2400" dirty="0" smtClean="0">
-              <a:effectLst>
-                <a:outerShdw blurRad="38100" dist="38100" dir="2700000" algn="tl">
-                  <a:srgbClr val="000000">
-                    <a:alpha val="43137"/>
-                  </a:srgbClr>
-                </a:outerShdw>
-              </a:effectLst>
-            </a:endParaRPr>
-          </a:p>
-          <a:p>
-            <a:endParaRPr lang="ru-RU" sz="2400" dirty="0">
-              <a:effectLst>
-                <a:outerShdw blurRad="38100" dist="38100" dir="2700000" algn="tl">
-                  <a:srgbClr val="000000">
-                    <a:alpha val="43137"/>
-                  </a:srgbClr>
-                </a:outerShdw>
-              </a:effectLst>
-            </a:endParaRPr>
+        <p:spPr/>
+        <p:txBody>
+          <a:bodyPr/>
+          <a:lstStyle/>
+          <a:p>
+            <a:endParaRPr lang="ru-RU"/>
           </a:p>
         </p:txBody>
       </p:sp>
@@ -5142,13 +5643,6 @@
   <p:clrMapOvr>
     <a:masterClrMapping/>
   </p:clrMapOvr>
-  <p:timing>
-    <p:tnLst>
-      <p:par>
-        <p:cTn id="1" dur="indefinite" restart="never" nodeType="tmRoot"/>
-      </p:par>
-    </p:tnLst>
-  </p:timing>
 </p:sld>
 </file>
 
